--- a/docs/Mockups/Dashboard/Goals Additional.pptx
+++ b/docs/Mockups/Dashboard/Goals Additional.pptx
@@ -3163,7 +3163,12 @@
             <a:schemeClr val="bg1"/>
           </a:solidFill>
           <a:ln w="19050">
-            <a:noFill/>
+            <a:solidFill>
+              <a:schemeClr val="tx1">
+                <a:lumMod val="50000"/>
+                <a:lumOff val="50000"/>
+              </a:schemeClr>
+            </a:solidFill>
           </a:ln>
           <a:effectLst>
             <a:outerShdw blurRad="330200" sx="103000" sy="103000" algn="ctr" rotWithShape="0">
@@ -3202,6 +3207,1078 @@
           </a:p>
         </p:txBody>
       </p:sp>
+      <p:sp>
+        <p:nvSpPr>
+          <p:cNvPr id="26" name="Rectangle 25"/>
+          <p:cNvSpPr/>
+          <p:nvPr/>
+        </p:nvSpPr>
+        <p:spPr>
+          <a:xfrm>
+            <a:off x="3785746" y="838200"/>
+            <a:ext cx="1496307" cy="584775"/>
+          </a:xfrm>
+          <a:prstGeom prst="rect">
+            <a:avLst/>
+          </a:prstGeom>
+        </p:spPr>
+        <p:txBody>
+          <a:bodyPr wrap="none">
+            <a:spAutoFit/>
+          </a:bodyPr>
+          <a:lstStyle/>
+          <a:p>
+            <a:r>
+              <a:rPr lang="en-US" sz="3200" dirty="0">
+                <a:solidFill>
+                  <a:schemeClr val="tx1">
+                    <a:lumMod val="50000"/>
+                    <a:lumOff val="50000"/>
+                  </a:schemeClr>
+                </a:solidFill>
+                <a:latin typeface="Calibri Light" panose="020F0302020204030204" pitchFamily="34" charset="0"/>
+              </a:rPr>
+              <a:t>Walking</a:t>
+            </a:r>
+            <a:endParaRPr lang="en-US" sz="3200" dirty="0">
+              <a:solidFill>
+                <a:schemeClr val="tx1">
+                  <a:lumMod val="50000"/>
+                  <a:lumOff val="50000"/>
+                </a:schemeClr>
+              </a:solidFill>
+              <a:latin typeface="Calibri Light" panose="020F0302020204030204" pitchFamily="34" charset="0"/>
+            </a:endParaRPr>
+          </a:p>
+        </p:txBody>
+      </p:sp>
+      <p:sp>
+        <p:nvSpPr>
+          <p:cNvPr id="44" name="TextBox 43"/>
+          <p:cNvSpPr txBox="1"/>
+          <p:nvPr/>
+        </p:nvSpPr>
+        <p:spPr>
+          <a:xfrm>
+            <a:off x="2581275" y="1596445"/>
+            <a:ext cx="3481386" cy="381000"/>
+          </a:xfrm>
+          <a:prstGeom prst="rect">
+            <a:avLst/>
+          </a:prstGeom>
+          <a:noFill/>
+        </p:spPr>
+        <p:txBody>
+          <a:bodyPr wrap="square" rtlCol="0">
+            <a:spAutoFit/>
+          </a:bodyPr>
+          <a:lstStyle/>
+          <a:p>
+            <a:r>
+              <a:rPr lang="en-US" dirty="0" smtClean="0">
+                <a:solidFill>
+                  <a:schemeClr val="tx1">
+                    <a:lumMod val="50000"/>
+                    <a:lumOff val="50000"/>
+                  </a:schemeClr>
+                </a:solidFill>
+                <a:latin typeface="Calibri Light" panose="020F0302020204030204" pitchFamily="34" charset="0"/>
+              </a:rPr>
+              <a:t>I will walk for 30 minutes every day.</a:t>
+            </a:r>
+            <a:endParaRPr lang="en-US" dirty="0">
+              <a:solidFill>
+                <a:schemeClr val="tx1">
+                  <a:lumMod val="50000"/>
+                  <a:lumOff val="50000"/>
+                </a:schemeClr>
+              </a:solidFill>
+              <a:latin typeface="Calibri Light" panose="020F0302020204030204" pitchFamily="34" charset="0"/>
+            </a:endParaRPr>
+          </a:p>
+        </p:txBody>
+      </p:sp>
+      <p:sp>
+        <p:nvSpPr>
+          <p:cNvPr id="45" name="Rectangle 44"/>
+          <p:cNvSpPr/>
+          <p:nvPr/>
+        </p:nvSpPr>
+        <p:spPr>
+          <a:xfrm>
+            <a:off x="2581275" y="1996494"/>
+            <a:ext cx="4624386" cy="114302"/>
+          </a:xfrm>
+          <a:prstGeom prst="rect">
+            <a:avLst/>
+          </a:prstGeom>
+          <a:solidFill>
+            <a:srgbClr val="00B050"/>
+          </a:solidFill>
+          <a:ln w="3175">
+            <a:solidFill>
+              <a:schemeClr val="tx1">
+                <a:lumMod val="50000"/>
+                <a:lumOff val="50000"/>
+              </a:schemeClr>
+            </a:solidFill>
+          </a:ln>
+        </p:spPr>
+        <p:style>
+          <a:lnRef idx="2">
+            <a:schemeClr val="accent1">
+              <a:shade val="50000"/>
+            </a:schemeClr>
+          </a:lnRef>
+          <a:fillRef idx="1">
+            <a:schemeClr val="accent1"/>
+          </a:fillRef>
+          <a:effectRef idx="0">
+            <a:schemeClr val="accent1"/>
+          </a:effectRef>
+          <a:fontRef idx="minor">
+            <a:schemeClr val="lt1"/>
+          </a:fontRef>
+        </p:style>
+        <p:txBody>
+          <a:bodyPr rtlCol="0" anchor="ctr"/>
+          <a:lstStyle/>
+          <a:p>
+            <a:pPr algn="ctr"/>
+            <a:endParaRPr lang="en-US" dirty="0" smtClean="0">
+              <a:solidFill>
+                <a:srgbClr val="028835"/>
+              </a:solidFill>
+            </a:endParaRPr>
+          </a:p>
+        </p:txBody>
+      </p:sp>
+      <p:sp>
+        <p:nvSpPr>
+          <p:cNvPr id="46" name="TextBox 45"/>
+          <p:cNvSpPr txBox="1"/>
+          <p:nvPr/>
+        </p:nvSpPr>
+        <p:spPr>
+          <a:xfrm>
+            <a:off x="2581275" y="2495552"/>
+            <a:ext cx="3481386" cy="381000"/>
+          </a:xfrm>
+          <a:prstGeom prst="rect">
+            <a:avLst/>
+          </a:prstGeom>
+          <a:noFill/>
+        </p:spPr>
+        <p:txBody>
+          <a:bodyPr wrap="square" rtlCol="0">
+            <a:spAutoFit/>
+          </a:bodyPr>
+          <a:lstStyle/>
+          <a:p>
+            <a:r>
+              <a:rPr lang="en-US" dirty="0" smtClean="0">
+                <a:solidFill>
+                  <a:schemeClr val="tx1">
+                    <a:lumMod val="50000"/>
+                    <a:lumOff val="50000"/>
+                  </a:schemeClr>
+                </a:solidFill>
+                <a:latin typeface="Calibri Light" panose="020F0302020204030204" pitchFamily="34" charset="0"/>
+              </a:rPr>
+              <a:t>I will run </a:t>
+            </a:r>
+            <a:r>
+              <a:rPr lang="en-US" dirty="0" smtClean="0">
+                <a:solidFill>
+                  <a:schemeClr val="tx1">
+                    <a:lumMod val="50000"/>
+                    <a:lumOff val="50000"/>
+                  </a:schemeClr>
+                </a:solidFill>
+                <a:latin typeface="Calibri Light" panose="020F0302020204030204" pitchFamily="34" charset="0"/>
+              </a:rPr>
+              <a:t>for 2 </a:t>
+            </a:r>
+            <a:r>
+              <a:rPr lang="en-US" dirty="0" smtClean="0">
+                <a:solidFill>
+                  <a:schemeClr val="tx1">
+                    <a:lumMod val="50000"/>
+                    <a:lumOff val="50000"/>
+                  </a:schemeClr>
+                </a:solidFill>
+                <a:latin typeface="Calibri Light" panose="020F0302020204030204" pitchFamily="34" charset="0"/>
+              </a:rPr>
+              <a:t>miles every week.</a:t>
+            </a:r>
+            <a:endParaRPr lang="en-US" dirty="0">
+              <a:solidFill>
+                <a:schemeClr val="tx1">
+                  <a:lumMod val="50000"/>
+                  <a:lumOff val="50000"/>
+                </a:schemeClr>
+              </a:solidFill>
+              <a:latin typeface="Calibri Light" panose="020F0302020204030204" pitchFamily="34" charset="0"/>
+            </a:endParaRPr>
+          </a:p>
+        </p:txBody>
+      </p:sp>
+      <p:sp>
+        <p:nvSpPr>
+          <p:cNvPr id="47" name="Rectangle 46"/>
+          <p:cNvSpPr/>
+          <p:nvPr/>
+        </p:nvSpPr>
+        <p:spPr>
+          <a:xfrm>
+            <a:off x="2581275" y="2871934"/>
+            <a:ext cx="4572000" cy="114302"/>
+          </a:xfrm>
+          <a:prstGeom prst="rect">
+            <a:avLst/>
+          </a:prstGeom>
+          <a:solidFill>
+            <a:srgbClr val="00B050"/>
+          </a:solidFill>
+          <a:ln w="3175">
+            <a:solidFill>
+              <a:schemeClr val="tx1">
+                <a:lumMod val="50000"/>
+                <a:lumOff val="50000"/>
+              </a:schemeClr>
+            </a:solidFill>
+          </a:ln>
+        </p:spPr>
+        <p:style>
+          <a:lnRef idx="2">
+            <a:schemeClr val="accent1">
+              <a:shade val="50000"/>
+            </a:schemeClr>
+          </a:lnRef>
+          <a:fillRef idx="1">
+            <a:schemeClr val="accent1"/>
+          </a:fillRef>
+          <a:effectRef idx="0">
+            <a:schemeClr val="accent1"/>
+          </a:effectRef>
+          <a:fontRef idx="minor">
+            <a:schemeClr val="lt1"/>
+          </a:fontRef>
+        </p:style>
+        <p:txBody>
+          <a:bodyPr rtlCol="0" anchor="ctr"/>
+          <a:lstStyle/>
+          <a:p>
+            <a:pPr algn="ctr"/>
+            <a:endParaRPr lang="en-US" dirty="0" smtClean="0">
+              <a:solidFill>
+                <a:srgbClr val="028835"/>
+              </a:solidFill>
+            </a:endParaRPr>
+          </a:p>
+        </p:txBody>
+      </p:sp>
+      <p:sp>
+        <p:nvSpPr>
+          <p:cNvPr id="48" name="Rectangle 47"/>
+          <p:cNvSpPr/>
+          <p:nvPr/>
+        </p:nvSpPr>
+        <p:spPr>
+          <a:xfrm>
+            <a:off x="4919661" y="2876552"/>
+            <a:ext cx="2286000" cy="114302"/>
+          </a:xfrm>
+          <a:prstGeom prst="rect">
+            <a:avLst/>
+          </a:prstGeom>
+          <a:solidFill>
+            <a:schemeClr val="bg1"/>
+          </a:solidFill>
+          <a:ln w="3175">
+            <a:solidFill>
+              <a:schemeClr val="tx1">
+                <a:lumMod val="50000"/>
+                <a:lumOff val="50000"/>
+              </a:schemeClr>
+            </a:solidFill>
+          </a:ln>
+        </p:spPr>
+        <p:style>
+          <a:lnRef idx="2">
+            <a:schemeClr val="accent1">
+              <a:shade val="50000"/>
+            </a:schemeClr>
+          </a:lnRef>
+          <a:fillRef idx="1">
+            <a:schemeClr val="accent1"/>
+          </a:fillRef>
+          <a:effectRef idx="0">
+            <a:schemeClr val="accent1"/>
+          </a:effectRef>
+          <a:fontRef idx="minor">
+            <a:schemeClr val="lt1"/>
+          </a:fontRef>
+        </p:style>
+        <p:txBody>
+          <a:bodyPr rtlCol="0" anchor="ctr"/>
+          <a:lstStyle/>
+          <a:p>
+            <a:pPr algn="ctr"/>
+            <a:endParaRPr lang="en-US" dirty="0" smtClean="0">
+              <a:solidFill>
+                <a:schemeClr val="tx1"/>
+              </a:solidFill>
+            </a:endParaRPr>
+          </a:p>
+        </p:txBody>
+      </p:sp>
+      <p:sp>
+        <p:nvSpPr>
+          <p:cNvPr id="28" name="Oval 27"/>
+          <p:cNvSpPr/>
+          <p:nvPr/>
+        </p:nvSpPr>
+        <p:spPr>
+          <a:xfrm>
+            <a:off x="1676400" y="1729794"/>
+            <a:ext cx="304800" cy="266700"/>
+          </a:xfrm>
+          <a:prstGeom prst="ellipse">
+            <a:avLst/>
+          </a:prstGeom>
+          <a:solidFill>
+            <a:schemeClr val="bg1"/>
+          </a:solidFill>
+          <a:ln w="3175">
+            <a:solidFill>
+              <a:schemeClr val="tx1">
+                <a:lumMod val="75000"/>
+                <a:lumOff val="25000"/>
+              </a:schemeClr>
+            </a:solidFill>
+          </a:ln>
+        </p:spPr>
+        <p:style>
+          <a:lnRef idx="2">
+            <a:schemeClr val="accent1">
+              <a:shade val="50000"/>
+            </a:schemeClr>
+          </a:lnRef>
+          <a:fillRef idx="1">
+            <a:schemeClr val="accent1"/>
+          </a:fillRef>
+          <a:effectRef idx="0">
+            <a:schemeClr val="accent1"/>
+          </a:effectRef>
+          <a:fontRef idx="minor">
+            <a:schemeClr val="lt1"/>
+          </a:fontRef>
+        </p:style>
+        <p:txBody>
+          <a:bodyPr rtlCol="0" anchor="ctr"/>
+          <a:lstStyle/>
+          <a:p>
+            <a:pPr algn="ctr"/>
+            <a:endParaRPr lang="en-US" dirty="0" smtClean="0">
+              <a:solidFill>
+                <a:schemeClr val="tx1"/>
+              </a:solidFill>
+            </a:endParaRPr>
+          </a:p>
+        </p:txBody>
+      </p:sp>
+      <p:sp>
+        <p:nvSpPr>
+          <p:cNvPr id="49" name="Oval 48"/>
+          <p:cNvSpPr/>
+          <p:nvPr/>
+        </p:nvSpPr>
+        <p:spPr>
+          <a:xfrm>
+            <a:off x="1676400" y="2686052"/>
+            <a:ext cx="304800" cy="266700"/>
+          </a:xfrm>
+          <a:prstGeom prst="ellipse">
+            <a:avLst/>
+          </a:prstGeom>
+          <a:gradFill flip="none" rotWithShape="1">
+            <a:gsLst>
+              <a:gs pos="0">
+                <a:schemeClr val="tx1">
+                  <a:lumMod val="22000"/>
+                  <a:lumOff val="78000"/>
+                </a:schemeClr>
+              </a:gs>
+              <a:gs pos="70000">
+                <a:schemeClr val="tx1">
+                  <a:lumMod val="50000"/>
+                  <a:lumOff val="50000"/>
+                </a:schemeClr>
+              </a:gs>
+              <a:gs pos="100000">
+                <a:schemeClr val="tx1">
+                  <a:lumMod val="50000"/>
+                  <a:lumOff val="50000"/>
+                </a:schemeClr>
+              </a:gs>
+            </a:gsLst>
+            <a:lin ang="10800000" scaled="1"/>
+            <a:tileRect/>
+          </a:gradFill>
+          <a:ln w="3175">
+            <a:solidFill>
+              <a:schemeClr val="tx1">
+                <a:lumMod val="75000"/>
+                <a:lumOff val="25000"/>
+              </a:schemeClr>
+            </a:solidFill>
+          </a:ln>
+        </p:spPr>
+        <p:style>
+          <a:lnRef idx="2">
+            <a:schemeClr val="accent1">
+              <a:shade val="50000"/>
+            </a:schemeClr>
+          </a:lnRef>
+          <a:fillRef idx="1">
+            <a:schemeClr val="accent1"/>
+          </a:fillRef>
+          <a:effectRef idx="0">
+            <a:schemeClr val="accent1"/>
+          </a:effectRef>
+          <a:fontRef idx="minor">
+            <a:schemeClr val="lt1"/>
+          </a:fontRef>
+        </p:style>
+        <p:txBody>
+          <a:bodyPr rtlCol="0" anchor="ctr"/>
+          <a:lstStyle/>
+          <a:p>
+            <a:pPr algn="ctr"/>
+            <a:endParaRPr lang="en-US" dirty="0" smtClean="0">
+              <a:solidFill>
+                <a:schemeClr val="tx1"/>
+              </a:solidFill>
+            </a:endParaRPr>
+          </a:p>
+        </p:txBody>
+      </p:sp>
+      <p:sp>
+        <p:nvSpPr>
+          <p:cNvPr id="30" name="TextBox 29"/>
+          <p:cNvSpPr txBox="1"/>
+          <p:nvPr/>
+        </p:nvSpPr>
+        <p:spPr>
+          <a:xfrm>
+            <a:off x="2000246" y="3600629"/>
+            <a:ext cx="619125" cy="369332"/>
+          </a:xfrm>
+          <a:prstGeom prst="rect">
+            <a:avLst/>
+          </a:prstGeom>
+          <a:noFill/>
+        </p:spPr>
+        <p:txBody>
+          <a:bodyPr wrap="square" rtlCol="0">
+            <a:spAutoFit/>
+          </a:bodyPr>
+          <a:lstStyle/>
+          <a:p>
+            <a:r>
+              <a:rPr lang="en-US" dirty="0" smtClean="0">
+                <a:solidFill>
+                  <a:schemeClr val="tx1">
+                    <a:lumMod val="50000"/>
+                    <a:lumOff val="50000"/>
+                  </a:schemeClr>
+                </a:solidFill>
+                <a:latin typeface="Calibri Light" panose="020F0302020204030204" pitchFamily="34" charset="0"/>
+              </a:rPr>
+              <a:t>I will</a:t>
+            </a:r>
+            <a:endParaRPr lang="en-US" dirty="0">
+              <a:solidFill>
+                <a:schemeClr val="tx1">
+                  <a:lumMod val="50000"/>
+                  <a:lumOff val="50000"/>
+                </a:schemeClr>
+              </a:solidFill>
+              <a:latin typeface="Calibri Light" panose="020F0302020204030204" pitchFamily="34" charset="0"/>
+            </a:endParaRPr>
+          </a:p>
+        </p:txBody>
+      </p:sp>
+      <p:sp>
+        <p:nvSpPr>
+          <p:cNvPr id="51" name="TextBox 50"/>
+          <p:cNvSpPr txBox="1"/>
+          <p:nvPr/>
+        </p:nvSpPr>
+        <p:spPr>
+          <a:xfrm>
+            <a:off x="2152647" y="4128969"/>
+            <a:ext cx="542925" cy="369332"/>
+          </a:xfrm>
+          <a:prstGeom prst="rect">
+            <a:avLst/>
+          </a:prstGeom>
+          <a:noFill/>
+        </p:spPr>
+        <p:txBody>
+          <a:bodyPr wrap="square" rtlCol="0">
+            <a:spAutoFit/>
+          </a:bodyPr>
+          <a:lstStyle/>
+          <a:p>
+            <a:r>
+              <a:rPr lang="en-US" dirty="0" smtClean="0">
+                <a:solidFill>
+                  <a:schemeClr val="tx1">
+                    <a:lumMod val="50000"/>
+                    <a:lumOff val="50000"/>
+                  </a:schemeClr>
+                </a:solidFill>
+                <a:latin typeface="Calibri Light" panose="020F0302020204030204" pitchFamily="34" charset="0"/>
+              </a:rPr>
+              <a:t>for</a:t>
+            </a:r>
+            <a:endParaRPr lang="en-US" dirty="0">
+              <a:solidFill>
+                <a:schemeClr val="tx1">
+                  <a:lumMod val="50000"/>
+                  <a:lumOff val="50000"/>
+                </a:schemeClr>
+              </a:solidFill>
+              <a:latin typeface="Calibri Light" panose="020F0302020204030204" pitchFamily="34" charset="0"/>
+            </a:endParaRPr>
+          </a:p>
+        </p:txBody>
+      </p:sp>
+      <p:sp>
+        <p:nvSpPr>
+          <p:cNvPr id="52" name="TextBox 51"/>
+          <p:cNvSpPr txBox="1"/>
+          <p:nvPr/>
+        </p:nvSpPr>
+        <p:spPr>
+          <a:xfrm>
+            <a:off x="1895471" y="4656714"/>
+            <a:ext cx="723900" cy="369332"/>
+          </a:xfrm>
+          <a:prstGeom prst="rect">
+            <a:avLst/>
+          </a:prstGeom>
+          <a:noFill/>
+        </p:spPr>
+        <p:txBody>
+          <a:bodyPr wrap="square" rtlCol="0">
+            <a:spAutoFit/>
+          </a:bodyPr>
+          <a:lstStyle/>
+          <a:p>
+            <a:r>
+              <a:rPr lang="en-US" dirty="0" smtClean="0">
+                <a:solidFill>
+                  <a:schemeClr val="tx1">
+                    <a:lumMod val="50000"/>
+                    <a:lumOff val="50000"/>
+                  </a:schemeClr>
+                </a:solidFill>
+                <a:latin typeface="Calibri Light" panose="020F0302020204030204" pitchFamily="34" charset="0"/>
+              </a:rPr>
+              <a:t>every</a:t>
+            </a:r>
+            <a:endParaRPr lang="en-US" dirty="0">
+              <a:solidFill>
+                <a:schemeClr val="tx1">
+                  <a:lumMod val="50000"/>
+                  <a:lumOff val="50000"/>
+                </a:schemeClr>
+              </a:solidFill>
+              <a:latin typeface="Calibri Light" panose="020F0302020204030204" pitchFamily="34" charset="0"/>
+            </a:endParaRPr>
+          </a:p>
+        </p:txBody>
+      </p:sp>
+      <p:sp>
+        <p:nvSpPr>
+          <p:cNvPr id="31" name="Rounded Rectangle 30"/>
+          <p:cNvSpPr/>
+          <p:nvPr/>
+        </p:nvSpPr>
+        <p:spPr>
+          <a:xfrm>
+            <a:off x="2695572" y="3622596"/>
+            <a:ext cx="3800475" cy="325398"/>
+          </a:xfrm>
+          <a:prstGeom prst="roundRect">
+            <a:avLst/>
+          </a:prstGeom>
+          <a:solidFill>
+            <a:schemeClr val="bg1"/>
+          </a:solidFill>
+          <a:ln w="3175">
+            <a:solidFill>
+              <a:schemeClr val="tx1">
+                <a:lumMod val="75000"/>
+                <a:lumOff val="25000"/>
+              </a:schemeClr>
+            </a:solidFill>
+          </a:ln>
+        </p:spPr>
+        <p:style>
+          <a:lnRef idx="2">
+            <a:schemeClr val="accent1">
+              <a:shade val="50000"/>
+            </a:schemeClr>
+          </a:lnRef>
+          <a:fillRef idx="1">
+            <a:schemeClr val="accent1"/>
+          </a:fillRef>
+          <a:effectRef idx="0">
+            <a:schemeClr val="accent1"/>
+          </a:effectRef>
+          <a:fontRef idx="minor">
+            <a:schemeClr val="lt1"/>
+          </a:fontRef>
+        </p:style>
+        <p:txBody>
+          <a:bodyPr rtlCol="0" anchor="ctr"/>
+          <a:lstStyle/>
+          <a:p>
+            <a:r>
+              <a:rPr lang="en-US" dirty="0">
+                <a:solidFill>
+                  <a:schemeClr val="tx1">
+                    <a:lumMod val="50000"/>
+                    <a:lumOff val="50000"/>
+                  </a:schemeClr>
+                </a:solidFill>
+                <a:latin typeface="Calibri Light" panose="020F0302020204030204" pitchFamily="34" charset="0"/>
+              </a:rPr>
+              <a:t>d</a:t>
+            </a:r>
+            <a:r>
+              <a:rPr lang="en-US" dirty="0" smtClean="0">
+                <a:solidFill>
+                  <a:schemeClr val="tx1">
+                    <a:lumMod val="50000"/>
+                    <a:lumOff val="50000"/>
+                  </a:schemeClr>
+                </a:solidFill>
+                <a:latin typeface="Calibri Light" panose="020F0302020204030204" pitchFamily="34" charset="0"/>
+              </a:rPr>
+              <a:t>o this exercise</a:t>
+            </a:r>
+            <a:endParaRPr lang="en-US" dirty="0" smtClean="0">
+              <a:solidFill>
+                <a:schemeClr val="tx1">
+                  <a:lumMod val="50000"/>
+                  <a:lumOff val="50000"/>
+                </a:schemeClr>
+              </a:solidFill>
+              <a:latin typeface="Calibri Light" panose="020F0302020204030204" pitchFamily="34" charset="0"/>
+            </a:endParaRPr>
+          </a:p>
+        </p:txBody>
+      </p:sp>
+      <p:sp>
+        <p:nvSpPr>
+          <p:cNvPr id="55" name="Rounded Rectangle 54"/>
+          <p:cNvSpPr/>
+          <p:nvPr/>
+        </p:nvSpPr>
+        <p:spPr>
+          <a:xfrm>
+            <a:off x="2695572" y="4128969"/>
+            <a:ext cx="3800475" cy="325398"/>
+          </a:xfrm>
+          <a:prstGeom prst="roundRect">
+            <a:avLst/>
+          </a:prstGeom>
+          <a:solidFill>
+            <a:schemeClr val="bg1"/>
+          </a:solidFill>
+          <a:ln w="3175">
+            <a:solidFill>
+              <a:schemeClr val="tx1">
+                <a:lumMod val="75000"/>
+                <a:lumOff val="25000"/>
+              </a:schemeClr>
+            </a:solidFill>
+          </a:ln>
+        </p:spPr>
+        <p:style>
+          <a:lnRef idx="2">
+            <a:schemeClr val="accent1">
+              <a:shade val="50000"/>
+            </a:schemeClr>
+          </a:lnRef>
+          <a:fillRef idx="1">
+            <a:schemeClr val="accent1"/>
+          </a:fillRef>
+          <a:effectRef idx="0">
+            <a:schemeClr val="accent1"/>
+          </a:effectRef>
+          <a:fontRef idx="minor">
+            <a:schemeClr val="lt1"/>
+          </a:fontRef>
+        </p:style>
+        <p:txBody>
+          <a:bodyPr rtlCol="0" anchor="ctr"/>
+          <a:lstStyle/>
+          <a:p>
+            <a:r>
+              <a:rPr lang="en-US" dirty="0" smtClean="0">
+                <a:solidFill>
+                  <a:schemeClr val="tx1">
+                    <a:lumMod val="50000"/>
+                    <a:lumOff val="50000"/>
+                  </a:schemeClr>
+                </a:solidFill>
+                <a:latin typeface="Calibri Light" panose="020F0302020204030204" pitchFamily="34" charset="0"/>
+              </a:rPr>
+              <a:t>this much</a:t>
+            </a:r>
+            <a:endParaRPr lang="en-US" dirty="0" smtClean="0">
+              <a:solidFill>
+                <a:schemeClr val="tx1">
+                  <a:lumMod val="50000"/>
+                  <a:lumOff val="50000"/>
+                </a:schemeClr>
+              </a:solidFill>
+              <a:latin typeface="Calibri Light" panose="020F0302020204030204" pitchFamily="34" charset="0"/>
+            </a:endParaRPr>
+          </a:p>
+        </p:txBody>
+      </p:sp>
+      <p:sp>
+        <p:nvSpPr>
+          <p:cNvPr id="56" name="Rounded Rectangle 55"/>
+          <p:cNvSpPr/>
+          <p:nvPr/>
+        </p:nvSpPr>
+        <p:spPr>
+          <a:xfrm>
+            <a:off x="2695571" y="4678681"/>
+            <a:ext cx="3800475" cy="325398"/>
+          </a:xfrm>
+          <a:prstGeom prst="roundRect">
+            <a:avLst/>
+          </a:prstGeom>
+          <a:solidFill>
+            <a:schemeClr val="bg1"/>
+          </a:solidFill>
+          <a:ln w="3175">
+            <a:solidFill>
+              <a:schemeClr val="tx1">
+                <a:lumMod val="75000"/>
+                <a:lumOff val="25000"/>
+              </a:schemeClr>
+            </a:solidFill>
+          </a:ln>
+        </p:spPr>
+        <p:style>
+          <a:lnRef idx="2">
+            <a:schemeClr val="accent1">
+              <a:shade val="50000"/>
+            </a:schemeClr>
+          </a:lnRef>
+          <a:fillRef idx="1">
+            <a:schemeClr val="accent1"/>
+          </a:fillRef>
+          <a:effectRef idx="0">
+            <a:schemeClr val="accent1"/>
+          </a:effectRef>
+          <a:fontRef idx="minor">
+            <a:schemeClr val="lt1"/>
+          </a:fontRef>
+        </p:style>
+        <p:txBody>
+          <a:bodyPr rtlCol="0" anchor="ctr"/>
+          <a:lstStyle/>
+          <a:p>
+            <a:r>
+              <a:rPr lang="en-US" dirty="0" smtClean="0">
+                <a:solidFill>
+                  <a:schemeClr val="tx1">
+                    <a:lumMod val="50000"/>
+                    <a:lumOff val="50000"/>
+                  </a:schemeClr>
+                </a:solidFill>
+                <a:latin typeface="Calibri Light" panose="020F0302020204030204" pitchFamily="34" charset="0"/>
+              </a:rPr>
+              <a:t>this amount of time</a:t>
+            </a:r>
+            <a:endParaRPr lang="en-US" dirty="0" smtClean="0">
+              <a:solidFill>
+                <a:schemeClr val="tx1">
+                  <a:lumMod val="50000"/>
+                  <a:lumOff val="50000"/>
+                </a:schemeClr>
+              </a:solidFill>
+              <a:latin typeface="Calibri Light" panose="020F0302020204030204" pitchFamily="34" charset="0"/>
+            </a:endParaRPr>
+          </a:p>
+        </p:txBody>
+      </p:sp>
+      <p:sp>
+        <p:nvSpPr>
+          <p:cNvPr id="57" name="TextBox 56"/>
+          <p:cNvSpPr txBox="1"/>
+          <p:nvPr/>
+        </p:nvSpPr>
+        <p:spPr>
+          <a:xfrm>
+            <a:off x="6496047" y="4656714"/>
+            <a:ext cx="361950" cy="369332"/>
+          </a:xfrm>
+          <a:prstGeom prst="rect">
+            <a:avLst/>
+          </a:prstGeom>
+          <a:noFill/>
+        </p:spPr>
+        <p:txBody>
+          <a:bodyPr wrap="square" rtlCol="0">
+            <a:spAutoFit/>
+          </a:bodyPr>
+          <a:lstStyle/>
+          <a:p>
+            <a:r>
+              <a:rPr lang="en-US" dirty="0" smtClean="0">
+                <a:solidFill>
+                  <a:schemeClr val="tx1">
+                    <a:lumMod val="50000"/>
+                    <a:lumOff val="50000"/>
+                  </a:schemeClr>
+                </a:solidFill>
+                <a:latin typeface="Calibri Light" panose="020F0302020204030204" pitchFamily="34" charset="0"/>
+              </a:rPr>
+              <a:t>.</a:t>
+            </a:r>
+            <a:endParaRPr lang="en-US" dirty="0">
+              <a:solidFill>
+                <a:schemeClr val="tx1">
+                  <a:lumMod val="50000"/>
+                  <a:lumOff val="50000"/>
+                </a:schemeClr>
+              </a:solidFill>
+              <a:latin typeface="Calibri Light" panose="020F0302020204030204" pitchFamily="34" charset="0"/>
+            </a:endParaRPr>
+          </a:p>
+        </p:txBody>
+      </p:sp>
+      <p:sp>
+        <p:nvSpPr>
+          <p:cNvPr id="32" name="Flowchart: Process 31"/>
+          <p:cNvSpPr/>
+          <p:nvPr/>
+        </p:nvSpPr>
+        <p:spPr>
+          <a:xfrm>
+            <a:off x="2695572" y="5324475"/>
+            <a:ext cx="3800474" cy="304800"/>
+          </a:xfrm>
+          <a:prstGeom prst="flowChartProcess">
+            <a:avLst/>
+          </a:prstGeom>
+          <a:solidFill>
+            <a:schemeClr val="bg1">
+              <a:lumMod val="95000"/>
+            </a:schemeClr>
+          </a:solidFill>
+          <a:ln w="3175">
+            <a:solidFill>
+              <a:schemeClr val="tx1">
+                <a:lumMod val="75000"/>
+                <a:lumOff val="25000"/>
+              </a:schemeClr>
+            </a:solidFill>
+          </a:ln>
+        </p:spPr>
+        <p:style>
+          <a:lnRef idx="2">
+            <a:schemeClr val="accent1">
+              <a:shade val="50000"/>
+            </a:schemeClr>
+          </a:lnRef>
+          <a:fillRef idx="1">
+            <a:schemeClr val="accent1"/>
+          </a:fillRef>
+          <a:effectRef idx="0">
+            <a:schemeClr val="accent1"/>
+          </a:effectRef>
+          <a:fontRef idx="minor">
+            <a:schemeClr val="lt1"/>
+          </a:fontRef>
+        </p:style>
+        <p:txBody>
+          <a:bodyPr rtlCol="0" anchor="ctr"/>
+          <a:lstStyle/>
+          <a:p>
+            <a:pPr algn="ctr"/>
+            <a:r>
+              <a:rPr lang="en-US" dirty="0" smtClean="0">
+                <a:solidFill>
+                  <a:schemeClr val="tx1">
+                    <a:lumMod val="75000"/>
+                    <a:lumOff val="25000"/>
+                  </a:schemeClr>
+                </a:solidFill>
+                <a:latin typeface="Calibri Light" panose="020F0302020204030204" pitchFamily="34" charset="0"/>
+              </a:rPr>
+              <a:t>Add Goal</a:t>
+            </a:r>
+            <a:endParaRPr lang="en-US" dirty="0" smtClean="0">
+              <a:solidFill>
+                <a:schemeClr val="tx1">
+                  <a:lumMod val="75000"/>
+                  <a:lumOff val="25000"/>
+                </a:schemeClr>
+              </a:solidFill>
+              <a:latin typeface="Calibri Light" panose="020F0302020204030204" pitchFamily="34" charset="0"/>
+            </a:endParaRPr>
+          </a:p>
+        </p:txBody>
+      </p:sp>
+      <p:sp>
+        <p:nvSpPr>
+          <p:cNvPr id="37" name="Oval 36"/>
+          <p:cNvSpPr/>
+          <p:nvPr/>
+        </p:nvSpPr>
+        <p:spPr>
+          <a:xfrm>
+            <a:off x="7372354" y="853350"/>
+            <a:ext cx="457200" cy="442050"/>
+          </a:xfrm>
+          <a:prstGeom prst="ellipse">
+            <a:avLst/>
+          </a:prstGeom>
+          <a:solidFill>
+            <a:schemeClr val="bg1"/>
+          </a:solidFill>
+          <a:ln w="12700">
+            <a:solidFill>
+              <a:schemeClr val="tx1">
+                <a:lumMod val="50000"/>
+                <a:lumOff val="50000"/>
+              </a:schemeClr>
+            </a:solidFill>
+          </a:ln>
+        </p:spPr>
+        <p:style>
+          <a:lnRef idx="2">
+            <a:schemeClr val="accent1">
+              <a:shade val="50000"/>
+            </a:schemeClr>
+          </a:lnRef>
+          <a:fillRef idx="1">
+            <a:schemeClr val="accent1"/>
+          </a:fillRef>
+          <a:effectRef idx="0">
+            <a:schemeClr val="accent1"/>
+          </a:effectRef>
+          <a:fontRef idx="minor">
+            <a:schemeClr val="lt1"/>
+          </a:fontRef>
+        </p:style>
+        <p:txBody>
+          <a:bodyPr rtlCol="0" anchor="ctr"/>
+          <a:lstStyle/>
+          <a:p>
+            <a:pPr algn="ctr"/>
+            <a:endParaRPr lang="en-US" dirty="0" smtClean="0">
+              <a:solidFill>
+                <a:schemeClr val="tx1">
+                  <a:lumMod val="50000"/>
+                  <a:lumOff val="50000"/>
+                </a:schemeClr>
+              </a:solidFill>
+            </a:endParaRPr>
+          </a:p>
+        </p:txBody>
+      </p:sp>
+      <p:cxnSp>
+        <p:nvCxnSpPr>
+          <p:cNvPr id="41" name="Straight Connector 40"/>
+          <p:cNvCxnSpPr>
+            <a:stCxn id="37" idx="0"/>
+          </p:cNvCxnSpPr>
+          <p:nvPr/>
+        </p:nvCxnSpPr>
+        <p:spPr>
+          <a:xfrm>
+            <a:off x="7600954" y="853350"/>
+            <a:ext cx="0" cy="221025"/>
+          </a:xfrm>
+          <a:prstGeom prst="line">
+            <a:avLst/>
+          </a:prstGeom>
+          <a:ln w="12700">
+            <a:solidFill>
+              <a:schemeClr val="tx1">
+                <a:lumMod val="50000"/>
+                <a:lumOff val="50000"/>
+              </a:schemeClr>
+            </a:solidFill>
+          </a:ln>
+        </p:spPr>
+        <p:style>
+          <a:lnRef idx="1">
+            <a:schemeClr val="accent1"/>
+          </a:lnRef>
+          <a:fillRef idx="0">
+            <a:schemeClr val="accent1"/>
+          </a:fillRef>
+          <a:effectRef idx="0">
+            <a:schemeClr val="accent1"/>
+          </a:effectRef>
+          <a:fontRef idx="minor">
+            <a:schemeClr val="tx1"/>
+          </a:fontRef>
+        </p:style>
+      </p:cxnSp>
+      <p:cxnSp>
+        <p:nvCxnSpPr>
+          <p:cNvPr id="50" name="Straight Connector 49"/>
+          <p:cNvCxnSpPr/>
+          <p:nvPr/>
+        </p:nvCxnSpPr>
+        <p:spPr>
+          <a:xfrm flipH="1">
+            <a:off x="7486675" y="1074375"/>
+            <a:ext cx="114302" cy="47554"/>
+          </a:xfrm>
+          <a:prstGeom prst="line">
+            <a:avLst/>
+          </a:prstGeom>
+          <a:ln w="12700">
+            <a:solidFill>
+              <a:schemeClr val="tx1">
+                <a:lumMod val="50000"/>
+                <a:lumOff val="50000"/>
+              </a:schemeClr>
+            </a:solidFill>
+          </a:ln>
+        </p:spPr>
+        <p:style>
+          <a:lnRef idx="1">
+            <a:schemeClr val="accent1"/>
+          </a:lnRef>
+          <a:fillRef idx="0">
+            <a:schemeClr val="accent1"/>
+          </a:fillRef>
+          <a:effectRef idx="0">
+            <a:schemeClr val="accent1"/>
+          </a:effectRef>
+          <a:fontRef idx="minor">
+            <a:schemeClr val="tx1"/>
+          </a:fontRef>
+        </p:style>
+      </p:cxnSp>
     </p:spTree>
     <p:extLst>
       <p:ext uri="{BB962C8B-B14F-4D97-AF65-F5344CB8AC3E}">

--- a/docs/Mockups/Dashboard/Goals Additional.pptx
+++ b/docs/Mockups/Dashboard/Goals Additional.pptx
@@ -3260,7 +3260,7 @@
         </p:nvSpPr>
         <p:spPr>
           <a:xfrm>
-            <a:off x="2581275" y="1596445"/>
+            <a:off x="2309808" y="2000249"/>
             <a:ext cx="3481386" cy="381000"/>
           </a:xfrm>
           <a:prstGeom prst="rect">
@@ -3306,7 +3306,7 @@
         </p:nvSpPr>
         <p:spPr>
           <a:xfrm>
-            <a:off x="2581275" y="1996494"/>
+            <a:off x="2328854" y="2390774"/>
             <a:ext cx="4624386" cy="114302"/>
           </a:xfrm>
           <a:prstGeom prst="rect">
@@ -3355,14 +3355,14 @@
       </p:sp>
       <p:sp>
         <p:nvSpPr>
-          <p:cNvPr id="46" name="TextBox 45"/>
+          <p:cNvPr id="30" name="TextBox 29"/>
           <p:cNvSpPr txBox="1"/>
           <p:nvPr/>
         </p:nvSpPr>
         <p:spPr>
           <a:xfrm>
-            <a:off x="2581275" y="2495552"/>
-            <a:ext cx="3481386" cy="381000"/>
+            <a:off x="2000246" y="3600629"/>
+            <a:ext cx="619125" cy="369332"/>
           </a:xfrm>
           <a:prstGeom prst="rect">
             <a:avLst/>
@@ -3385,8 +3385,42 @@
                 </a:solidFill>
                 <a:latin typeface="Calibri Light" panose="020F0302020204030204" pitchFamily="34" charset="0"/>
               </a:rPr>
-              <a:t>I will run </a:t>
-            </a:r>
+              <a:t>I will</a:t>
+            </a:r>
+            <a:endParaRPr lang="en-US" dirty="0">
+              <a:solidFill>
+                <a:schemeClr val="tx1">
+                  <a:lumMod val="50000"/>
+                  <a:lumOff val="50000"/>
+                </a:schemeClr>
+              </a:solidFill>
+              <a:latin typeface="Calibri Light" panose="020F0302020204030204" pitchFamily="34" charset="0"/>
+            </a:endParaRPr>
+          </a:p>
+        </p:txBody>
+      </p:sp>
+      <p:sp>
+        <p:nvSpPr>
+          <p:cNvPr id="51" name="TextBox 50"/>
+          <p:cNvSpPr txBox="1"/>
+          <p:nvPr/>
+        </p:nvSpPr>
+        <p:spPr>
+          <a:xfrm>
+            <a:off x="2152647" y="4128969"/>
+            <a:ext cx="542925" cy="369332"/>
+          </a:xfrm>
+          <a:prstGeom prst="rect">
+            <a:avLst/>
+          </a:prstGeom>
+          <a:noFill/>
+        </p:spPr>
+        <p:txBody>
+          <a:bodyPr wrap="square" rtlCol="0">
+            <a:spAutoFit/>
+          </a:bodyPr>
+          <a:lstStyle/>
+          <a:p>
             <a:r>
               <a:rPr lang="en-US" dirty="0" smtClean="0">
                 <a:solidFill>
@@ -3397,8 +3431,42 @@
                 </a:solidFill>
                 <a:latin typeface="Calibri Light" panose="020F0302020204030204" pitchFamily="34" charset="0"/>
               </a:rPr>
-              <a:t>for 2 </a:t>
-            </a:r>
+              <a:t>for</a:t>
+            </a:r>
+            <a:endParaRPr lang="en-US" dirty="0">
+              <a:solidFill>
+                <a:schemeClr val="tx1">
+                  <a:lumMod val="50000"/>
+                  <a:lumOff val="50000"/>
+                </a:schemeClr>
+              </a:solidFill>
+              <a:latin typeface="Calibri Light" panose="020F0302020204030204" pitchFamily="34" charset="0"/>
+            </a:endParaRPr>
+          </a:p>
+        </p:txBody>
+      </p:sp>
+      <p:sp>
+        <p:nvSpPr>
+          <p:cNvPr id="52" name="TextBox 51"/>
+          <p:cNvSpPr txBox="1"/>
+          <p:nvPr/>
+        </p:nvSpPr>
+        <p:spPr>
+          <a:xfrm>
+            <a:off x="1895471" y="4656714"/>
+            <a:ext cx="723900" cy="369332"/>
+          </a:xfrm>
+          <a:prstGeom prst="rect">
+            <a:avLst/>
+          </a:prstGeom>
+          <a:noFill/>
+        </p:spPr>
+        <p:txBody>
+          <a:bodyPr wrap="square" rtlCol="0">
+            <a:spAutoFit/>
+          </a:bodyPr>
+          <a:lstStyle/>
+          <a:p>
             <a:r>
               <a:rPr lang="en-US" dirty="0" smtClean="0">
                 <a:solidFill>
@@ -3409,7 +3477,7 @@
                 </a:solidFill>
                 <a:latin typeface="Calibri Light" panose="020F0302020204030204" pitchFamily="34" charset="0"/>
               </a:rPr>
-              <a:t>miles every week.</a:t>
+              <a:t>every</a:t>
             </a:r>
             <a:endParaRPr lang="en-US" dirty="0">
               <a:solidFill>
@@ -3425,26 +3493,26 @@
       </p:sp>
       <p:sp>
         <p:nvSpPr>
-          <p:cNvPr id="47" name="Rectangle 46"/>
+          <p:cNvPr id="31" name="Rounded Rectangle 30"/>
           <p:cNvSpPr/>
           <p:nvPr/>
         </p:nvSpPr>
         <p:spPr>
           <a:xfrm>
-            <a:off x="2581275" y="2871934"/>
-            <a:ext cx="4572000" cy="114302"/>
-          </a:xfrm>
-          <a:prstGeom prst="rect">
+            <a:off x="2695572" y="3622596"/>
+            <a:ext cx="3800475" cy="325398"/>
+          </a:xfrm>
+          <a:prstGeom prst="roundRect">
             <a:avLst/>
           </a:prstGeom>
           <a:solidFill>
-            <a:srgbClr val="00B050"/>
+            <a:schemeClr val="bg1"/>
           </a:solidFill>
           <a:ln w="3175">
             <a:solidFill>
               <a:schemeClr val="tx1">
-                <a:lumMod val="50000"/>
-                <a:lumOff val="50000"/>
+                <a:lumMod val="75000"/>
+                <a:lumOff val="25000"/>
               </a:schemeClr>
             </a:solidFill>
           </a:ln>
@@ -3469,27 +3537,54 @@
           <a:bodyPr rtlCol="0" anchor="ctr"/>
           <a:lstStyle/>
           <a:p>
-            <a:pPr algn="ctr"/>
+            <a:r>
+              <a:rPr lang="en-US" dirty="0">
+                <a:solidFill>
+                  <a:schemeClr val="tx1">
+                    <a:lumMod val="50000"/>
+                    <a:lumOff val="50000"/>
+                  </a:schemeClr>
+                </a:solidFill>
+                <a:latin typeface="Calibri Light" panose="020F0302020204030204" pitchFamily="34" charset="0"/>
+              </a:rPr>
+              <a:t>d</a:t>
+            </a:r>
+            <a:r>
+              <a:rPr lang="en-US" dirty="0" smtClean="0">
+                <a:solidFill>
+                  <a:schemeClr val="tx1">
+                    <a:lumMod val="50000"/>
+                    <a:lumOff val="50000"/>
+                  </a:schemeClr>
+                </a:solidFill>
+                <a:latin typeface="Calibri Light" panose="020F0302020204030204" pitchFamily="34" charset="0"/>
+              </a:rPr>
+              <a:t>o this exercise</a:t>
+            </a:r>
             <a:endParaRPr lang="en-US" dirty="0" smtClean="0">
               <a:solidFill>
-                <a:srgbClr val="028835"/>
+                <a:schemeClr val="tx1">
+                  <a:lumMod val="50000"/>
+                  <a:lumOff val="50000"/>
+                </a:schemeClr>
               </a:solidFill>
+              <a:latin typeface="Calibri Light" panose="020F0302020204030204" pitchFamily="34" charset="0"/>
             </a:endParaRPr>
           </a:p>
         </p:txBody>
       </p:sp>
       <p:sp>
         <p:nvSpPr>
-          <p:cNvPr id="48" name="Rectangle 47"/>
+          <p:cNvPr id="55" name="Rounded Rectangle 54"/>
           <p:cNvSpPr/>
           <p:nvPr/>
         </p:nvSpPr>
         <p:spPr>
           <a:xfrm>
-            <a:off x="4919661" y="2876552"/>
-            <a:ext cx="2286000" cy="114302"/>
-          </a:xfrm>
-          <a:prstGeom prst="rect">
+            <a:off x="2695573" y="4128969"/>
+            <a:ext cx="1838326" cy="316826"/>
+          </a:xfrm>
+          <a:prstGeom prst="roundRect">
             <a:avLst/>
           </a:prstGeom>
           <a:solidFill>
@@ -3498,8 +3593,8 @@
           <a:ln w="3175">
             <a:solidFill>
               <a:schemeClr val="tx1">
-                <a:lumMod val="50000"/>
-                <a:lumOff val="50000"/>
+                <a:lumMod val="75000"/>
+                <a:lumOff val="25000"/>
               </a:schemeClr>
             </a:solidFill>
           </a:ln>
@@ -3524,27 +3619,42 @@
           <a:bodyPr rtlCol="0" anchor="ctr"/>
           <a:lstStyle/>
           <a:p>
-            <a:pPr algn="ctr"/>
+            <a:r>
+              <a:rPr lang="en-US" dirty="0" smtClean="0">
+                <a:solidFill>
+                  <a:schemeClr val="tx1">
+                    <a:lumMod val="50000"/>
+                    <a:lumOff val="50000"/>
+                  </a:schemeClr>
+                </a:solidFill>
+                <a:latin typeface="Calibri Light" panose="020F0302020204030204" pitchFamily="34" charset="0"/>
+              </a:rPr>
+              <a:t>this many</a:t>
+            </a:r>
             <a:endParaRPr lang="en-US" dirty="0" smtClean="0">
               <a:solidFill>
-                <a:schemeClr val="tx1"/>
+                <a:schemeClr val="tx1">
+                  <a:lumMod val="50000"/>
+                  <a:lumOff val="50000"/>
+                </a:schemeClr>
               </a:solidFill>
+              <a:latin typeface="Calibri Light" panose="020F0302020204030204" pitchFamily="34" charset="0"/>
             </a:endParaRPr>
           </a:p>
         </p:txBody>
       </p:sp>
       <p:sp>
         <p:nvSpPr>
-          <p:cNvPr id="28" name="Oval 27"/>
+          <p:cNvPr id="56" name="Rounded Rectangle 55"/>
           <p:cNvSpPr/>
           <p:nvPr/>
         </p:nvSpPr>
         <p:spPr>
           <a:xfrm>
-            <a:off x="1676400" y="1729794"/>
-            <a:ext cx="304800" cy="266700"/>
-          </a:xfrm>
-          <a:prstGeom prst="ellipse">
+            <a:off x="2695571" y="4678681"/>
+            <a:ext cx="3800475" cy="325398"/>
+          </a:xfrm>
+          <a:prstGeom prst="roundRect">
             <a:avLst/>
           </a:prstGeom>
           <a:solidFill>
@@ -3579,53 +3689,95 @@
           <a:bodyPr rtlCol="0" anchor="ctr"/>
           <a:lstStyle/>
           <a:p>
-            <a:pPr algn="ctr"/>
+            <a:r>
+              <a:rPr lang="en-US" dirty="0" smtClean="0">
+                <a:solidFill>
+                  <a:schemeClr val="tx1">
+                    <a:lumMod val="50000"/>
+                    <a:lumOff val="50000"/>
+                  </a:schemeClr>
+                </a:solidFill>
+                <a:latin typeface="Calibri Light" panose="020F0302020204030204" pitchFamily="34" charset="0"/>
+              </a:rPr>
+              <a:t>day</a:t>
+            </a:r>
             <a:endParaRPr lang="en-US" dirty="0" smtClean="0">
               <a:solidFill>
-                <a:schemeClr val="tx1"/>
-              </a:solidFill>
-            </a:endParaRPr>
-          </a:p>
-        </p:txBody>
-      </p:sp>
-      <p:sp>
-        <p:nvSpPr>
-          <p:cNvPr id="49" name="Oval 48"/>
-          <p:cNvSpPr/>
-          <p:nvPr/>
-        </p:nvSpPr>
-        <p:spPr>
-          <a:xfrm>
-            <a:off x="1676400" y="2686052"/>
-            <a:ext cx="304800" cy="266700"/>
-          </a:xfrm>
-          <a:prstGeom prst="ellipse">
-            <a:avLst/>
-          </a:prstGeom>
-          <a:gradFill flip="none" rotWithShape="1">
-            <a:gsLst>
-              <a:gs pos="0">
-                <a:schemeClr val="tx1">
-                  <a:lumMod val="22000"/>
-                  <a:lumOff val="78000"/>
-                </a:schemeClr>
-              </a:gs>
-              <a:gs pos="70000">
                 <a:schemeClr val="tx1">
                   <a:lumMod val="50000"/>
                   <a:lumOff val="50000"/>
                 </a:schemeClr>
-              </a:gs>
-              <a:gs pos="100000">
+              </a:solidFill>
+              <a:latin typeface="Calibri Light" panose="020F0302020204030204" pitchFamily="34" charset="0"/>
+            </a:endParaRPr>
+          </a:p>
+        </p:txBody>
+      </p:sp>
+      <p:sp>
+        <p:nvSpPr>
+          <p:cNvPr id="57" name="TextBox 56"/>
+          <p:cNvSpPr txBox="1"/>
+          <p:nvPr/>
+        </p:nvSpPr>
+        <p:spPr>
+          <a:xfrm>
+            <a:off x="6496047" y="4656714"/>
+            <a:ext cx="361950" cy="369332"/>
+          </a:xfrm>
+          <a:prstGeom prst="rect">
+            <a:avLst/>
+          </a:prstGeom>
+          <a:noFill/>
+        </p:spPr>
+        <p:txBody>
+          <a:bodyPr wrap="square" rtlCol="0">
+            <a:spAutoFit/>
+          </a:bodyPr>
+          <a:lstStyle/>
+          <a:p>
+            <a:r>
+              <a:rPr lang="en-US" dirty="0" smtClean="0">
+                <a:solidFill>
+                  <a:schemeClr val="tx1">
+                    <a:lumMod val="50000"/>
+                    <a:lumOff val="50000"/>
+                  </a:schemeClr>
+                </a:solidFill>
+                <a:latin typeface="Calibri Light" panose="020F0302020204030204" pitchFamily="34" charset="0"/>
+              </a:rPr>
+              <a:t>.</a:t>
+            </a:r>
+            <a:endParaRPr lang="en-US" dirty="0">
+              <a:solidFill>
                 <a:schemeClr val="tx1">
                   <a:lumMod val="50000"/>
                   <a:lumOff val="50000"/>
                 </a:schemeClr>
-              </a:gs>
-            </a:gsLst>
-            <a:lin ang="10800000" scaled="1"/>
-            <a:tileRect/>
-          </a:gradFill>
+              </a:solidFill>
+              <a:latin typeface="Calibri Light" panose="020F0302020204030204" pitchFamily="34" charset="0"/>
+            </a:endParaRPr>
+          </a:p>
+        </p:txBody>
+      </p:sp>
+      <p:sp>
+        <p:nvSpPr>
+          <p:cNvPr id="32" name="Flowchart: Process 31"/>
+          <p:cNvSpPr/>
+          <p:nvPr/>
+        </p:nvSpPr>
+        <p:spPr>
+          <a:xfrm>
+            <a:off x="2695572" y="5324475"/>
+            <a:ext cx="3800474" cy="304800"/>
+          </a:xfrm>
+          <a:prstGeom prst="flowChartProcess">
+            <a:avLst/>
+          </a:prstGeom>
+          <a:solidFill>
+            <a:schemeClr val="bg1">
+              <a:lumMod val="95000"/>
+            </a:schemeClr>
+          </a:solidFill>
           <a:ln w="3175">
             <a:solidFill>
               <a:schemeClr val="tx1">
@@ -3656,53 +3808,23 @@
           <a:lstStyle/>
           <a:p>
             <a:pPr algn="ctr"/>
-            <a:endParaRPr lang="en-US" dirty="0" smtClean="0">
-              <a:solidFill>
-                <a:schemeClr val="tx1"/>
-              </a:solidFill>
-            </a:endParaRPr>
-          </a:p>
-        </p:txBody>
-      </p:sp>
-      <p:sp>
-        <p:nvSpPr>
-          <p:cNvPr id="30" name="TextBox 29"/>
-          <p:cNvSpPr txBox="1"/>
-          <p:nvPr/>
-        </p:nvSpPr>
-        <p:spPr>
-          <a:xfrm>
-            <a:off x="2000246" y="3600629"/>
-            <a:ext cx="619125" cy="369332"/>
-          </a:xfrm>
-          <a:prstGeom prst="rect">
-            <a:avLst/>
-          </a:prstGeom>
-          <a:noFill/>
-        </p:spPr>
-        <p:txBody>
-          <a:bodyPr wrap="square" rtlCol="0">
-            <a:spAutoFit/>
-          </a:bodyPr>
-          <a:lstStyle/>
-          <a:p>
             <a:r>
               <a:rPr lang="en-US" dirty="0" smtClean="0">
                 <a:solidFill>
                   <a:schemeClr val="tx1">
-                    <a:lumMod val="50000"/>
-                    <a:lumOff val="50000"/>
+                    <a:lumMod val="75000"/>
+                    <a:lumOff val="25000"/>
                   </a:schemeClr>
                 </a:solidFill>
                 <a:latin typeface="Calibri Light" panose="020F0302020204030204" pitchFamily="34" charset="0"/>
               </a:rPr>
-              <a:t>I will</a:t>
-            </a:r>
-            <a:endParaRPr lang="en-US" dirty="0">
+              <a:t>Add Goal</a:t>
+            </a:r>
+            <a:endParaRPr lang="en-US" dirty="0" smtClean="0">
               <a:solidFill>
                 <a:schemeClr val="tx1">
-                  <a:lumMod val="50000"/>
-                  <a:lumOff val="50000"/>
+                  <a:lumMod val="75000"/>
+                  <a:lumOff val="25000"/>
                 </a:schemeClr>
               </a:solidFill>
               <a:latin typeface="Calibri Light" panose="020F0302020204030204" pitchFamily="34" charset="0"/>
@@ -3712,118 +3834,26 @@
       </p:sp>
       <p:sp>
         <p:nvSpPr>
-          <p:cNvPr id="51" name="TextBox 50"/>
-          <p:cNvSpPr txBox="1"/>
+          <p:cNvPr id="37" name="Oval 36"/>
+          <p:cNvSpPr/>
           <p:nvPr/>
         </p:nvSpPr>
         <p:spPr>
           <a:xfrm>
-            <a:off x="2152647" y="4128969"/>
-            <a:ext cx="542925" cy="369332"/>
-          </a:xfrm>
-          <a:prstGeom prst="rect">
-            <a:avLst/>
-          </a:prstGeom>
-          <a:noFill/>
-        </p:spPr>
-        <p:txBody>
-          <a:bodyPr wrap="square" rtlCol="0">
-            <a:spAutoFit/>
-          </a:bodyPr>
-          <a:lstStyle/>
-          <a:p>
-            <a:r>
-              <a:rPr lang="en-US" dirty="0" smtClean="0">
-                <a:solidFill>
-                  <a:schemeClr val="tx1">
-                    <a:lumMod val="50000"/>
-                    <a:lumOff val="50000"/>
-                  </a:schemeClr>
-                </a:solidFill>
-                <a:latin typeface="Calibri Light" panose="020F0302020204030204" pitchFamily="34" charset="0"/>
-              </a:rPr>
-              <a:t>for</a:t>
-            </a:r>
-            <a:endParaRPr lang="en-US" dirty="0">
-              <a:solidFill>
-                <a:schemeClr val="tx1">
-                  <a:lumMod val="50000"/>
-                  <a:lumOff val="50000"/>
-                </a:schemeClr>
-              </a:solidFill>
-              <a:latin typeface="Calibri Light" panose="020F0302020204030204" pitchFamily="34" charset="0"/>
-            </a:endParaRPr>
-          </a:p>
-        </p:txBody>
-      </p:sp>
-      <p:sp>
-        <p:nvSpPr>
-          <p:cNvPr id="52" name="TextBox 51"/>
-          <p:cNvSpPr txBox="1"/>
-          <p:nvPr/>
-        </p:nvSpPr>
-        <p:spPr>
-          <a:xfrm>
-            <a:off x="1895471" y="4656714"/>
-            <a:ext cx="723900" cy="369332"/>
-          </a:xfrm>
-          <a:prstGeom prst="rect">
-            <a:avLst/>
-          </a:prstGeom>
-          <a:noFill/>
-        </p:spPr>
-        <p:txBody>
-          <a:bodyPr wrap="square" rtlCol="0">
-            <a:spAutoFit/>
-          </a:bodyPr>
-          <a:lstStyle/>
-          <a:p>
-            <a:r>
-              <a:rPr lang="en-US" dirty="0" smtClean="0">
-                <a:solidFill>
-                  <a:schemeClr val="tx1">
-                    <a:lumMod val="50000"/>
-                    <a:lumOff val="50000"/>
-                  </a:schemeClr>
-                </a:solidFill>
-                <a:latin typeface="Calibri Light" panose="020F0302020204030204" pitchFamily="34" charset="0"/>
-              </a:rPr>
-              <a:t>every</a:t>
-            </a:r>
-            <a:endParaRPr lang="en-US" dirty="0">
-              <a:solidFill>
-                <a:schemeClr val="tx1">
-                  <a:lumMod val="50000"/>
-                  <a:lumOff val="50000"/>
-                </a:schemeClr>
-              </a:solidFill>
-              <a:latin typeface="Calibri Light" panose="020F0302020204030204" pitchFamily="34" charset="0"/>
-            </a:endParaRPr>
-          </a:p>
-        </p:txBody>
-      </p:sp>
-      <p:sp>
-        <p:nvSpPr>
-          <p:cNvPr id="31" name="Rounded Rectangle 30"/>
-          <p:cNvSpPr/>
-          <p:nvPr/>
-        </p:nvSpPr>
-        <p:spPr>
-          <a:xfrm>
-            <a:off x="2695572" y="3622596"/>
-            <a:ext cx="3800475" cy="325398"/>
-          </a:xfrm>
-          <a:prstGeom prst="roundRect">
+            <a:off x="6886572" y="5255850"/>
+            <a:ext cx="457200" cy="442050"/>
+          </a:xfrm>
+          <a:prstGeom prst="ellipse">
             <a:avLst/>
           </a:prstGeom>
           <a:solidFill>
             <a:schemeClr val="bg1"/>
           </a:solidFill>
-          <a:ln w="3175">
+          <a:ln w="12700">
             <a:solidFill>
               <a:schemeClr val="tx1">
-                <a:lumMod val="75000"/>
-                <a:lumOff val="25000"/>
+                <a:lumMod val="50000"/>
+                <a:lumOff val="50000"/>
               </a:schemeClr>
             </a:solidFill>
           </a:ln>
@@ -3848,347 +3878,6 @@
           <a:bodyPr rtlCol="0" anchor="ctr"/>
           <a:lstStyle/>
           <a:p>
-            <a:r>
-              <a:rPr lang="en-US" dirty="0">
-                <a:solidFill>
-                  <a:schemeClr val="tx1">
-                    <a:lumMod val="50000"/>
-                    <a:lumOff val="50000"/>
-                  </a:schemeClr>
-                </a:solidFill>
-                <a:latin typeface="Calibri Light" panose="020F0302020204030204" pitchFamily="34" charset="0"/>
-              </a:rPr>
-              <a:t>d</a:t>
-            </a:r>
-            <a:r>
-              <a:rPr lang="en-US" dirty="0" smtClean="0">
-                <a:solidFill>
-                  <a:schemeClr val="tx1">
-                    <a:lumMod val="50000"/>
-                    <a:lumOff val="50000"/>
-                  </a:schemeClr>
-                </a:solidFill>
-                <a:latin typeface="Calibri Light" panose="020F0302020204030204" pitchFamily="34" charset="0"/>
-              </a:rPr>
-              <a:t>o this exercise</a:t>
-            </a:r>
-            <a:endParaRPr lang="en-US" dirty="0" smtClean="0">
-              <a:solidFill>
-                <a:schemeClr val="tx1">
-                  <a:lumMod val="50000"/>
-                  <a:lumOff val="50000"/>
-                </a:schemeClr>
-              </a:solidFill>
-              <a:latin typeface="Calibri Light" panose="020F0302020204030204" pitchFamily="34" charset="0"/>
-            </a:endParaRPr>
-          </a:p>
-        </p:txBody>
-      </p:sp>
-      <p:sp>
-        <p:nvSpPr>
-          <p:cNvPr id="55" name="Rounded Rectangle 54"/>
-          <p:cNvSpPr/>
-          <p:nvPr/>
-        </p:nvSpPr>
-        <p:spPr>
-          <a:xfrm>
-            <a:off x="2695572" y="4128969"/>
-            <a:ext cx="3800475" cy="325398"/>
-          </a:xfrm>
-          <a:prstGeom prst="roundRect">
-            <a:avLst/>
-          </a:prstGeom>
-          <a:solidFill>
-            <a:schemeClr val="bg1"/>
-          </a:solidFill>
-          <a:ln w="3175">
-            <a:solidFill>
-              <a:schemeClr val="tx1">
-                <a:lumMod val="75000"/>
-                <a:lumOff val="25000"/>
-              </a:schemeClr>
-            </a:solidFill>
-          </a:ln>
-        </p:spPr>
-        <p:style>
-          <a:lnRef idx="2">
-            <a:schemeClr val="accent1">
-              <a:shade val="50000"/>
-            </a:schemeClr>
-          </a:lnRef>
-          <a:fillRef idx="1">
-            <a:schemeClr val="accent1"/>
-          </a:fillRef>
-          <a:effectRef idx="0">
-            <a:schemeClr val="accent1"/>
-          </a:effectRef>
-          <a:fontRef idx="minor">
-            <a:schemeClr val="lt1"/>
-          </a:fontRef>
-        </p:style>
-        <p:txBody>
-          <a:bodyPr rtlCol="0" anchor="ctr"/>
-          <a:lstStyle/>
-          <a:p>
-            <a:r>
-              <a:rPr lang="en-US" dirty="0" smtClean="0">
-                <a:solidFill>
-                  <a:schemeClr val="tx1">
-                    <a:lumMod val="50000"/>
-                    <a:lumOff val="50000"/>
-                  </a:schemeClr>
-                </a:solidFill>
-                <a:latin typeface="Calibri Light" panose="020F0302020204030204" pitchFamily="34" charset="0"/>
-              </a:rPr>
-              <a:t>this much</a:t>
-            </a:r>
-            <a:endParaRPr lang="en-US" dirty="0" smtClean="0">
-              <a:solidFill>
-                <a:schemeClr val="tx1">
-                  <a:lumMod val="50000"/>
-                  <a:lumOff val="50000"/>
-                </a:schemeClr>
-              </a:solidFill>
-              <a:latin typeface="Calibri Light" panose="020F0302020204030204" pitchFamily="34" charset="0"/>
-            </a:endParaRPr>
-          </a:p>
-        </p:txBody>
-      </p:sp>
-      <p:sp>
-        <p:nvSpPr>
-          <p:cNvPr id="56" name="Rounded Rectangle 55"/>
-          <p:cNvSpPr/>
-          <p:nvPr/>
-        </p:nvSpPr>
-        <p:spPr>
-          <a:xfrm>
-            <a:off x="2695571" y="4678681"/>
-            <a:ext cx="3800475" cy="325398"/>
-          </a:xfrm>
-          <a:prstGeom prst="roundRect">
-            <a:avLst/>
-          </a:prstGeom>
-          <a:solidFill>
-            <a:schemeClr val="bg1"/>
-          </a:solidFill>
-          <a:ln w="3175">
-            <a:solidFill>
-              <a:schemeClr val="tx1">
-                <a:lumMod val="75000"/>
-                <a:lumOff val="25000"/>
-              </a:schemeClr>
-            </a:solidFill>
-          </a:ln>
-        </p:spPr>
-        <p:style>
-          <a:lnRef idx="2">
-            <a:schemeClr val="accent1">
-              <a:shade val="50000"/>
-            </a:schemeClr>
-          </a:lnRef>
-          <a:fillRef idx="1">
-            <a:schemeClr val="accent1"/>
-          </a:fillRef>
-          <a:effectRef idx="0">
-            <a:schemeClr val="accent1"/>
-          </a:effectRef>
-          <a:fontRef idx="minor">
-            <a:schemeClr val="lt1"/>
-          </a:fontRef>
-        </p:style>
-        <p:txBody>
-          <a:bodyPr rtlCol="0" anchor="ctr"/>
-          <a:lstStyle/>
-          <a:p>
-            <a:r>
-              <a:rPr lang="en-US" dirty="0" smtClean="0">
-                <a:solidFill>
-                  <a:schemeClr val="tx1">
-                    <a:lumMod val="50000"/>
-                    <a:lumOff val="50000"/>
-                  </a:schemeClr>
-                </a:solidFill>
-                <a:latin typeface="Calibri Light" panose="020F0302020204030204" pitchFamily="34" charset="0"/>
-              </a:rPr>
-              <a:t>this amount of time</a:t>
-            </a:r>
-            <a:endParaRPr lang="en-US" dirty="0" smtClean="0">
-              <a:solidFill>
-                <a:schemeClr val="tx1">
-                  <a:lumMod val="50000"/>
-                  <a:lumOff val="50000"/>
-                </a:schemeClr>
-              </a:solidFill>
-              <a:latin typeface="Calibri Light" panose="020F0302020204030204" pitchFamily="34" charset="0"/>
-            </a:endParaRPr>
-          </a:p>
-        </p:txBody>
-      </p:sp>
-      <p:sp>
-        <p:nvSpPr>
-          <p:cNvPr id="57" name="TextBox 56"/>
-          <p:cNvSpPr txBox="1"/>
-          <p:nvPr/>
-        </p:nvSpPr>
-        <p:spPr>
-          <a:xfrm>
-            <a:off x="6496047" y="4656714"/>
-            <a:ext cx="361950" cy="369332"/>
-          </a:xfrm>
-          <a:prstGeom prst="rect">
-            <a:avLst/>
-          </a:prstGeom>
-          <a:noFill/>
-        </p:spPr>
-        <p:txBody>
-          <a:bodyPr wrap="square" rtlCol="0">
-            <a:spAutoFit/>
-          </a:bodyPr>
-          <a:lstStyle/>
-          <a:p>
-            <a:r>
-              <a:rPr lang="en-US" dirty="0" smtClean="0">
-                <a:solidFill>
-                  <a:schemeClr val="tx1">
-                    <a:lumMod val="50000"/>
-                    <a:lumOff val="50000"/>
-                  </a:schemeClr>
-                </a:solidFill>
-                <a:latin typeface="Calibri Light" panose="020F0302020204030204" pitchFamily="34" charset="0"/>
-              </a:rPr>
-              <a:t>.</a:t>
-            </a:r>
-            <a:endParaRPr lang="en-US" dirty="0">
-              <a:solidFill>
-                <a:schemeClr val="tx1">
-                  <a:lumMod val="50000"/>
-                  <a:lumOff val="50000"/>
-                </a:schemeClr>
-              </a:solidFill>
-              <a:latin typeface="Calibri Light" panose="020F0302020204030204" pitchFamily="34" charset="0"/>
-            </a:endParaRPr>
-          </a:p>
-        </p:txBody>
-      </p:sp>
-      <p:sp>
-        <p:nvSpPr>
-          <p:cNvPr id="32" name="Flowchart: Process 31"/>
-          <p:cNvSpPr/>
-          <p:nvPr/>
-        </p:nvSpPr>
-        <p:spPr>
-          <a:xfrm>
-            <a:off x="2695572" y="5324475"/>
-            <a:ext cx="3800474" cy="304800"/>
-          </a:xfrm>
-          <a:prstGeom prst="flowChartProcess">
-            <a:avLst/>
-          </a:prstGeom>
-          <a:solidFill>
-            <a:schemeClr val="bg1">
-              <a:lumMod val="95000"/>
-            </a:schemeClr>
-          </a:solidFill>
-          <a:ln w="3175">
-            <a:solidFill>
-              <a:schemeClr val="tx1">
-                <a:lumMod val="75000"/>
-                <a:lumOff val="25000"/>
-              </a:schemeClr>
-            </a:solidFill>
-          </a:ln>
-        </p:spPr>
-        <p:style>
-          <a:lnRef idx="2">
-            <a:schemeClr val="accent1">
-              <a:shade val="50000"/>
-            </a:schemeClr>
-          </a:lnRef>
-          <a:fillRef idx="1">
-            <a:schemeClr val="accent1"/>
-          </a:fillRef>
-          <a:effectRef idx="0">
-            <a:schemeClr val="accent1"/>
-          </a:effectRef>
-          <a:fontRef idx="minor">
-            <a:schemeClr val="lt1"/>
-          </a:fontRef>
-        </p:style>
-        <p:txBody>
-          <a:bodyPr rtlCol="0" anchor="ctr"/>
-          <a:lstStyle/>
-          <a:p>
-            <a:pPr algn="ctr"/>
-            <a:r>
-              <a:rPr lang="en-US" dirty="0" smtClean="0">
-                <a:solidFill>
-                  <a:schemeClr val="tx1">
-                    <a:lumMod val="75000"/>
-                    <a:lumOff val="25000"/>
-                  </a:schemeClr>
-                </a:solidFill>
-                <a:latin typeface="Calibri Light" panose="020F0302020204030204" pitchFamily="34" charset="0"/>
-              </a:rPr>
-              <a:t>Add Goal</a:t>
-            </a:r>
-            <a:endParaRPr lang="en-US" dirty="0" smtClean="0">
-              <a:solidFill>
-                <a:schemeClr val="tx1">
-                  <a:lumMod val="75000"/>
-                  <a:lumOff val="25000"/>
-                </a:schemeClr>
-              </a:solidFill>
-              <a:latin typeface="Calibri Light" panose="020F0302020204030204" pitchFamily="34" charset="0"/>
-            </a:endParaRPr>
-          </a:p>
-        </p:txBody>
-      </p:sp>
-      <p:sp>
-        <p:nvSpPr>
-          <p:cNvPr id="37" name="Oval 36"/>
-          <p:cNvSpPr/>
-          <p:nvPr/>
-        </p:nvSpPr>
-        <p:spPr>
-          <a:xfrm>
-            <a:off x="7372354" y="853350"/>
-            <a:ext cx="457200" cy="442050"/>
-          </a:xfrm>
-          <a:prstGeom prst="ellipse">
-            <a:avLst/>
-          </a:prstGeom>
-          <a:solidFill>
-            <a:schemeClr val="bg1"/>
-          </a:solidFill>
-          <a:ln w="12700">
-            <a:solidFill>
-              <a:schemeClr val="tx1">
-                <a:lumMod val="50000"/>
-                <a:lumOff val="50000"/>
-              </a:schemeClr>
-            </a:solidFill>
-          </a:ln>
-        </p:spPr>
-        <p:style>
-          <a:lnRef idx="2">
-            <a:schemeClr val="accent1">
-              <a:shade val="50000"/>
-            </a:schemeClr>
-          </a:lnRef>
-          <a:fillRef idx="1">
-            <a:schemeClr val="accent1"/>
-          </a:fillRef>
-          <a:effectRef idx="0">
-            <a:schemeClr val="accent1"/>
-          </a:effectRef>
-          <a:fontRef idx="minor">
-            <a:schemeClr val="lt1"/>
-          </a:fontRef>
-        </p:style>
-        <p:txBody>
-          <a:bodyPr rtlCol="0" anchor="ctr"/>
-          <a:lstStyle/>
-          <a:p>
             <a:pPr algn="ctr"/>
             <a:endParaRPr lang="en-US" dirty="0" smtClean="0">
               <a:solidFill>
@@ -4211,7 +3900,7 @@
         </p:nvCxnSpPr>
         <p:spPr>
           <a:xfrm>
-            <a:off x="7600954" y="853350"/>
+            <a:off x="7115172" y="5255850"/>
             <a:ext cx="0" cy="221025"/>
           </a:xfrm>
           <a:prstGeom prst="line">
@@ -4249,7 +3938,7 @@
         </p:nvCxnSpPr>
         <p:spPr>
           <a:xfrm flipH="1">
-            <a:off x="7486675" y="1074375"/>
+            <a:off x="7000870" y="5476875"/>
             <a:ext cx="114302" cy="47554"/>
           </a:xfrm>
           <a:prstGeom prst="line">
@@ -4279,6 +3968,606 @@
           </a:fontRef>
         </p:style>
       </p:cxnSp>
+      <p:sp>
+        <p:nvSpPr>
+          <p:cNvPr id="75" name="Rounded Rectangle 74"/>
+          <p:cNvSpPr/>
+          <p:nvPr/>
+        </p:nvSpPr>
+        <p:spPr>
+          <a:xfrm>
+            <a:off x="4595809" y="4120397"/>
+            <a:ext cx="1900237" cy="325398"/>
+          </a:xfrm>
+          <a:prstGeom prst="roundRect">
+            <a:avLst/>
+          </a:prstGeom>
+          <a:solidFill>
+            <a:schemeClr val="bg1"/>
+          </a:solidFill>
+          <a:ln w="3175">
+            <a:solidFill>
+              <a:schemeClr val="tx1">
+                <a:lumMod val="75000"/>
+                <a:lumOff val="25000"/>
+              </a:schemeClr>
+            </a:solidFill>
+          </a:ln>
+        </p:spPr>
+        <p:style>
+          <a:lnRef idx="2">
+            <a:schemeClr val="accent1">
+              <a:shade val="50000"/>
+            </a:schemeClr>
+          </a:lnRef>
+          <a:fillRef idx="1">
+            <a:schemeClr val="accent1"/>
+          </a:fillRef>
+          <a:effectRef idx="0">
+            <a:schemeClr val="accent1"/>
+          </a:effectRef>
+          <a:fontRef idx="minor">
+            <a:schemeClr val="lt1"/>
+          </a:fontRef>
+        </p:style>
+        <p:txBody>
+          <a:bodyPr rtlCol="0" anchor="ctr"/>
+          <a:lstStyle/>
+          <a:p>
+            <a:r>
+              <a:rPr lang="en-US" dirty="0" smtClean="0">
+                <a:solidFill>
+                  <a:schemeClr val="tx1">
+                    <a:lumMod val="50000"/>
+                    <a:lumOff val="50000"/>
+                  </a:schemeClr>
+                </a:solidFill>
+                <a:latin typeface="Calibri Light" panose="020F0302020204030204" pitchFamily="34" charset="0"/>
+              </a:rPr>
+              <a:t>seconds</a:t>
+            </a:r>
+            <a:endParaRPr lang="en-US" dirty="0" smtClean="0">
+              <a:solidFill>
+                <a:schemeClr val="tx1">
+                  <a:lumMod val="50000"/>
+                  <a:lumOff val="50000"/>
+                </a:schemeClr>
+              </a:solidFill>
+              <a:latin typeface="Calibri Light" panose="020F0302020204030204" pitchFamily="34" charset="0"/>
+            </a:endParaRPr>
+          </a:p>
+        </p:txBody>
+      </p:sp>
+      <p:cxnSp>
+        <p:nvCxnSpPr>
+          <p:cNvPr id="71" name="Straight Connector 70"/>
+          <p:cNvCxnSpPr/>
+          <p:nvPr/>
+        </p:nvCxnSpPr>
+        <p:spPr>
+          <a:xfrm>
+            <a:off x="6062661" y="4120397"/>
+            <a:ext cx="0" cy="325398"/>
+          </a:xfrm>
+          <a:prstGeom prst="line">
+            <a:avLst/>
+          </a:prstGeom>
+          <a:ln>
+            <a:solidFill>
+              <a:schemeClr val="tx1">
+                <a:lumMod val="75000"/>
+                <a:lumOff val="25000"/>
+              </a:schemeClr>
+            </a:solidFill>
+          </a:ln>
+        </p:spPr>
+        <p:style>
+          <a:lnRef idx="1">
+            <a:schemeClr val="accent1"/>
+          </a:lnRef>
+          <a:fillRef idx="0">
+            <a:schemeClr val="accent1"/>
+          </a:fillRef>
+          <a:effectRef idx="0">
+            <a:schemeClr val="accent1"/>
+          </a:effectRef>
+          <a:fontRef idx="minor">
+            <a:schemeClr val="tx1"/>
+          </a:fontRef>
+        </p:style>
+      </p:cxnSp>
+      <p:cxnSp>
+        <p:nvCxnSpPr>
+          <p:cNvPr id="78" name="Straight Connector 77"/>
+          <p:cNvCxnSpPr/>
+          <p:nvPr/>
+        </p:nvCxnSpPr>
+        <p:spPr>
+          <a:xfrm>
+            <a:off x="6062661" y="4678681"/>
+            <a:ext cx="0" cy="312719"/>
+          </a:xfrm>
+          <a:prstGeom prst="line">
+            <a:avLst/>
+          </a:prstGeom>
+          <a:ln>
+            <a:solidFill>
+              <a:schemeClr val="tx1">
+                <a:lumMod val="75000"/>
+                <a:lumOff val="25000"/>
+              </a:schemeClr>
+            </a:solidFill>
+          </a:ln>
+        </p:spPr>
+        <p:style>
+          <a:lnRef idx="1">
+            <a:schemeClr val="accent1"/>
+          </a:lnRef>
+          <a:fillRef idx="0">
+            <a:schemeClr val="accent1"/>
+          </a:fillRef>
+          <a:effectRef idx="0">
+            <a:schemeClr val="accent1"/>
+          </a:effectRef>
+          <a:fontRef idx="minor">
+            <a:schemeClr val="tx1"/>
+          </a:fontRef>
+        </p:style>
+      </p:cxnSp>
+      <p:sp>
+        <p:nvSpPr>
+          <p:cNvPr id="72" name="Isosceles Triangle 71"/>
+          <p:cNvSpPr/>
+          <p:nvPr/>
+        </p:nvSpPr>
+        <p:spPr>
+          <a:xfrm flipV="1">
+            <a:off x="6172200" y="4195049"/>
+            <a:ext cx="228603" cy="184666"/>
+          </a:xfrm>
+          <a:prstGeom prst="triangle">
+            <a:avLst/>
+          </a:prstGeom>
+          <a:solidFill>
+            <a:schemeClr val="bg1">
+              <a:lumMod val="85000"/>
+            </a:schemeClr>
+          </a:solidFill>
+          <a:ln w="3175">
+            <a:solidFill>
+              <a:schemeClr val="tx1">
+                <a:lumMod val="75000"/>
+                <a:lumOff val="25000"/>
+              </a:schemeClr>
+            </a:solidFill>
+          </a:ln>
+        </p:spPr>
+        <p:style>
+          <a:lnRef idx="2">
+            <a:schemeClr val="accent1">
+              <a:shade val="50000"/>
+            </a:schemeClr>
+          </a:lnRef>
+          <a:fillRef idx="1">
+            <a:schemeClr val="accent1"/>
+          </a:fillRef>
+          <a:effectRef idx="0">
+            <a:schemeClr val="accent1"/>
+          </a:effectRef>
+          <a:fontRef idx="minor">
+            <a:schemeClr val="lt1"/>
+          </a:fontRef>
+        </p:style>
+        <p:txBody>
+          <a:bodyPr rtlCol="0" anchor="ctr"/>
+          <a:lstStyle/>
+          <a:p>
+            <a:pPr algn="ctr"/>
+            <a:endParaRPr lang="en-US" dirty="0" smtClean="0">
+              <a:solidFill>
+                <a:schemeClr val="tx1"/>
+              </a:solidFill>
+            </a:endParaRPr>
+          </a:p>
+        </p:txBody>
+      </p:sp>
+      <p:sp>
+        <p:nvSpPr>
+          <p:cNvPr id="80" name="Isosceles Triangle 79"/>
+          <p:cNvSpPr/>
+          <p:nvPr/>
+        </p:nvSpPr>
+        <p:spPr>
+          <a:xfrm flipV="1">
+            <a:off x="6162676" y="4749047"/>
+            <a:ext cx="228603" cy="184666"/>
+          </a:xfrm>
+          <a:prstGeom prst="triangle">
+            <a:avLst/>
+          </a:prstGeom>
+          <a:solidFill>
+            <a:schemeClr val="bg1">
+              <a:lumMod val="85000"/>
+            </a:schemeClr>
+          </a:solidFill>
+          <a:ln w="3175">
+            <a:solidFill>
+              <a:schemeClr val="tx1">
+                <a:lumMod val="75000"/>
+                <a:lumOff val="25000"/>
+              </a:schemeClr>
+            </a:solidFill>
+          </a:ln>
+        </p:spPr>
+        <p:style>
+          <a:lnRef idx="2">
+            <a:schemeClr val="accent1">
+              <a:shade val="50000"/>
+            </a:schemeClr>
+          </a:lnRef>
+          <a:fillRef idx="1">
+            <a:schemeClr val="accent1"/>
+          </a:fillRef>
+          <a:effectRef idx="0">
+            <a:schemeClr val="accent1"/>
+          </a:effectRef>
+          <a:fontRef idx="minor">
+            <a:schemeClr val="lt1"/>
+          </a:fontRef>
+        </p:style>
+        <p:txBody>
+          <a:bodyPr rtlCol="0" anchor="ctr"/>
+          <a:lstStyle/>
+          <a:p>
+            <a:pPr algn="ctr"/>
+            <a:endParaRPr lang="en-US" dirty="0" smtClean="0">
+              <a:solidFill>
+                <a:schemeClr val="tx1"/>
+              </a:solidFill>
+            </a:endParaRPr>
+          </a:p>
+        </p:txBody>
+      </p:sp>
+      <p:sp>
+        <p:nvSpPr>
+          <p:cNvPr id="77" name="Rectangle 76"/>
+          <p:cNvSpPr/>
+          <p:nvPr/>
+        </p:nvSpPr>
+        <p:spPr>
+          <a:xfrm>
+            <a:off x="7467600" y="822468"/>
+            <a:ext cx="457200" cy="292387"/>
+          </a:xfrm>
+          <a:prstGeom prst="rect">
+            <a:avLst/>
+          </a:prstGeom>
+          <a:solidFill>
+            <a:schemeClr val="bg1"/>
+          </a:solidFill>
+          <a:ln w="19050">
+            <a:solidFill>
+              <a:schemeClr val="bg1">
+                <a:lumMod val="85000"/>
+              </a:schemeClr>
+            </a:solidFill>
+          </a:ln>
+        </p:spPr>
+        <p:style>
+          <a:lnRef idx="2">
+            <a:schemeClr val="accent1">
+              <a:shade val="50000"/>
+            </a:schemeClr>
+          </a:lnRef>
+          <a:fillRef idx="1">
+            <a:schemeClr val="accent1"/>
+          </a:fillRef>
+          <a:effectRef idx="0">
+            <a:schemeClr val="accent1"/>
+          </a:effectRef>
+          <a:fontRef idx="minor">
+            <a:schemeClr val="lt1"/>
+          </a:fontRef>
+        </p:style>
+        <p:txBody>
+          <a:bodyPr rtlCol="0" anchor="ctr"/>
+          <a:lstStyle/>
+          <a:p>
+            <a:pPr algn="ctr"/>
+            <a:endParaRPr lang="en-US" dirty="0" smtClean="0">
+              <a:solidFill>
+                <a:schemeClr val="tx1"/>
+              </a:solidFill>
+            </a:endParaRPr>
+          </a:p>
+        </p:txBody>
+      </p:sp>
+      <p:cxnSp>
+        <p:nvCxnSpPr>
+          <p:cNvPr id="82" name="Straight Connector 81"/>
+          <p:cNvCxnSpPr/>
+          <p:nvPr/>
+        </p:nvCxnSpPr>
+        <p:spPr>
+          <a:xfrm>
+            <a:off x="7581900" y="903430"/>
+            <a:ext cx="228600" cy="130461"/>
+          </a:xfrm>
+          <a:prstGeom prst="line">
+            <a:avLst/>
+          </a:prstGeom>
+          <a:ln w="19050">
+            <a:solidFill>
+              <a:schemeClr val="bg1">
+                <a:lumMod val="85000"/>
+              </a:schemeClr>
+            </a:solidFill>
+          </a:ln>
+        </p:spPr>
+        <p:style>
+          <a:lnRef idx="1">
+            <a:schemeClr val="accent1"/>
+          </a:lnRef>
+          <a:fillRef idx="0">
+            <a:schemeClr val="accent1"/>
+          </a:fillRef>
+          <a:effectRef idx="0">
+            <a:schemeClr val="accent1"/>
+          </a:effectRef>
+          <a:fontRef idx="minor">
+            <a:schemeClr val="tx1"/>
+          </a:fontRef>
+        </p:style>
+      </p:cxnSp>
+      <p:cxnSp>
+        <p:nvCxnSpPr>
+          <p:cNvPr id="100" name="Straight Connector 99"/>
+          <p:cNvCxnSpPr/>
+          <p:nvPr/>
+        </p:nvCxnSpPr>
+        <p:spPr>
+          <a:xfrm flipH="1">
+            <a:off x="7581900" y="903430"/>
+            <a:ext cx="228600" cy="130461"/>
+          </a:xfrm>
+          <a:prstGeom prst="line">
+            <a:avLst/>
+          </a:prstGeom>
+          <a:ln w="19050">
+            <a:solidFill>
+              <a:schemeClr val="bg1">
+                <a:lumMod val="85000"/>
+              </a:schemeClr>
+            </a:solidFill>
+          </a:ln>
+        </p:spPr>
+        <p:style>
+          <a:lnRef idx="1">
+            <a:schemeClr val="accent1"/>
+          </a:lnRef>
+          <a:fillRef idx="0">
+            <a:schemeClr val="accent1"/>
+          </a:fillRef>
+          <a:effectRef idx="0">
+            <a:schemeClr val="accent1"/>
+          </a:effectRef>
+          <a:fontRef idx="minor">
+            <a:schemeClr val="tx1"/>
+          </a:fontRef>
+        </p:style>
+      </p:cxnSp>
+      <p:sp>
+        <p:nvSpPr>
+          <p:cNvPr id="98" name="Rectangle 97"/>
+          <p:cNvSpPr/>
+          <p:nvPr/>
+        </p:nvSpPr>
+        <p:spPr>
+          <a:xfrm>
+            <a:off x="7239000" y="2000249"/>
+            <a:ext cx="685800" cy="590551"/>
+          </a:xfrm>
+          <a:prstGeom prst="rect">
+            <a:avLst/>
+          </a:prstGeom>
+          <a:solidFill>
+            <a:schemeClr val="bg1"/>
+          </a:solidFill>
+          <a:ln w="3175">
+            <a:solidFill>
+              <a:schemeClr val="bg1">
+                <a:lumMod val="85000"/>
+              </a:schemeClr>
+            </a:solidFill>
+          </a:ln>
+        </p:spPr>
+        <p:style>
+          <a:lnRef idx="2">
+            <a:schemeClr val="accent1">
+              <a:shade val="50000"/>
+            </a:schemeClr>
+          </a:lnRef>
+          <a:fillRef idx="1">
+            <a:schemeClr val="accent1"/>
+          </a:fillRef>
+          <a:effectRef idx="0">
+            <a:schemeClr val="accent1"/>
+          </a:effectRef>
+          <a:fontRef idx="minor">
+            <a:schemeClr val="lt1"/>
+          </a:fontRef>
+        </p:style>
+        <p:txBody>
+          <a:bodyPr rtlCol="0" anchor="ctr"/>
+          <a:lstStyle/>
+          <a:p>
+            <a:pPr algn="ctr"/>
+            <a:endParaRPr lang="en-US" dirty="0" smtClean="0">
+              <a:solidFill>
+                <a:schemeClr val="tx1"/>
+              </a:solidFill>
+            </a:endParaRPr>
+          </a:p>
+        </p:txBody>
+      </p:sp>
+      <p:sp>
+        <p:nvSpPr>
+          <p:cNvPr id="99" name="Isosceles Triangle 98"/>
+          <p:cNvSpPr/>
+          <p:nvPr/>
+        </p:nvSpPr>
+        <p:spPr>
+          <a:xfrm rot="5400000">
+            <a:off x="7410449" y="2138361"/>
+            <a:ext cx="342900" cy="314327"/>
+          </a:xfrm>
+          <a:prstGeom prst="triangle">
+            <a:avLst/>
+          </a:prstGeom>
+          <a:noFill/>
+          <a:ln w="3175">
+            <a:solidFill>
+              <a:schemeClr val="bg1">
+                <a:lumMod val="85000"/>
+              </a:schemeClr>
+            </a:solidFill>
+          </a:ln>
+        </p:spPr>
+        <p:style>
+          <a:lnRef idx="2">
+            <a:schemeClr val="accent1">
+              <a:shade val="50000"/>
+            </a:schemeClr>
+          </a:lnRef>
+          <a:fillRef idx="1">
+            <a:schemeClr val="accent1"/>
+          </a:fillRef>
+          <a:effectRef idx="0">
+            <a:schemeClr val="accent1"/>
+          </a:effectRef>
+          <a:fontRef idx="minor">
+            <a:schemeClr val="lt1"/>
+          </a:fontRef>
+        </p:style>
+        <p:txBody>
+          <a:bodyPr rtlCol="0" anchor="ctr"/>
+          <a:lstStyle/>
+          <a:p>
+            <a:pPr algn="ctr"/>
+            <a:endParaRPr lang="en-US" dirty="0" smtClean="0">
+              <a:solidFill>
+                <a:schemeClr val="tx1"/>
+              </a:solidFill>
+            </a:endParaRPr>
+          </a:p>
+        </p:txBody>
+      </p:sp>
+      <p:sp>
+        <p:nvSpPr>
+          <p:cNvPr id="105" name="Rectangle 104"/>
+          <p:cNvSpPr/>
+          <p:nvPr/>
+        </p:nvSpPr>
+        <p:spPr>
+          <a:xfrm rot="10800000">
+            <a:off x="1314446" y="2000249"/>
+            <a:ext cx="685800" cy="590551"/>
+          </a:xfrm>
+          <a:prstGeom prst="rect">
+            <a:avLst/>
+          </a:prstGeom>
+          <a:solidFill>
+            <a:schemeClr val="bg1"/>
+          </a:solidFill>
+          <a:ln w="3175">
+            <a:solidFill>
+              <a:schemeClr val="bg1">
+                <a:lumMod val="85000"/>
+              </a:schemeClr>
+            </a:solidFill>
+          </a:ln>
+        </p:spPr>
+        <p:style>
+          <a:lnRef idx="2">
+            <a:schemeClr val="accent1">
+              <a:shade val="50000"/>
+            </a:schemeClr>
+          </a:lnRef>
+          <a:fillRef idx="1">
+            <a:schemeClr val="accent1"/>
+          </a:fillRef>
+          <a:effectRef idx="0">
+            <a:schemeClr val="accent1"/>
+          </a:effectRef>
+          <a:fontRef idx="minor">
+            <a:schemeClr val="lt1"/>
+          </a:fontRef>
+        </p:style>
+        <p:txBody>
+          <a:bodyPr rtlCol="0" anchor="ctr"/>
+          <a:lstStyle/>
+          <a:p>
+            <a:pPr algn="ctr"/>
+            <a:endParaRPr lang="en-US" dirty="0" smtClean="0">
+              <a:solidFill>
+                <a:schemeClr val="tx1"/>
+              </a:solidFill>
+            </a:endParaRPr>
+          </a:p>
+        </p:txBody>
+      </p:sp>
+      <p:sp>
+        <p:nvSpPr>
+          <p:cNvPr id="106" name="Isosceles Triangle 105"/>
+          <p:cNvSpPr/>
+          <p:nvPr/>
+        </p:nvSpPr>
+        <p:spPr>
+          <a:xfrm rot="16200000">
+            <a:off x="1485895" y="2138361"/>
+            <a:ext cx="342900" cy="314327"/>
+          </a:xfrm>
+          <a:prstGeom prst="triangle">
+            <a:avLst/>
+          </a:prstGeom>
+          <a:noFill/>
+          <a:ln w="3175">
+            <a:solidFill>
+              <a:schemeClr val="bg1">
+                <a:lumMod val="85000"/>
+              </a:schemeClr>
+            </a:solidFill>
+          </a:ln>
+        </p:spPr>
+        <p:style>
+          <a:lnRef idx="2">
+            <a:schemeClr val="accent1">
+              <a:shade val="50000"/>
+            </a:schemeClr>
+          </a:lnRef>
+          <a:fillRef idx="1">
+            <a:schemeClr val="accent1"/>
+          </a:fillRef>
+          <a:effectRef idx="0">
+            <a:schemeClr val="accent1"/>
+          </a:effectRef>
+          <a:fontRef idx="minor">
+            <a:schemeClr val="lt1"/>
+          </a:fontRef>
+        </p:style>
+        <p:txBody>
+          <a:bodyPr rtlCol="0" anchor="ctr"/>
+          <a:lstStyle/>
+          <a:p>
+            <a:pPr algn="ctr"/>
+            <a:endParaRPr lang="en-US" dirty="0" smtClean="0">
+              <a:solidFill>
+                <a:schemeClr val="tx1"/>
+              </a:solidFill>
+            </a:endParaRPr>
+          </a:p>
+        </p:txBody>
+      </p:sp>
     </p:spTree>
     <p:extLst>
       <p:ext uri="{BB962C8B-B14F-4D97-AF65-F5344CB8AC3E}">
